--- a/M02_Algoritmos_de_ordenamiento_y_busqueda/01 Presentacion/M02_PPT-Ordenamiento_y_Busqueda.pptx
+++ b/M02_Algoritmos_de_ordenamiento_y_busqueda/01 Presentacion/M02_PPT-Ordenamiento_y_Busqueda.pptx
@@ -265,7 +265,7 @@
           <a:p>
             <a:fld id="{502DC4F2-4218-4162-BA3D-B14DE8F619FF}" type="datetimeFigureOut">
               <a:rPr lang="en-US" smtClean="0"/>
-              <a:t>1/27/2021</a:t>
+              <a:t>1/29/2021</a:t>
             </a:fld>
             <a:endParaRPr lang="en-US"/>
           </a:p>
@@ -12408,7 +12408,7 @@
                 </a:solidFill>
                 <a:latin typeface="Cascadia Code,  Courier New"/>
               </a:rPr>
-              <a:t>       </a:t>
+              <a:t>    </a:t>
             </a:r>
             <a:r>
               <a:rPr lang="en-US" sz="1400" dirty="0">
@@ -12445,7 +12445,7 @@
                 </a:solidFill>
                 <a:latin typeface="Cascadia Code,  Courier New"/>
               </a:rPr>
-              <a:t>      </a:t>
+              <a:t>  </a:t>
             </a:r>
             <a:r>
               <a:rPr lang="en-US" sz="1400" dirty="0">
@@ -12488,7 +12488,7 @@
                 </a:solidFill>
                 <a:latin typeface="Cascadia Code,  Courier New"/>
               </a:rPr>
-              <a:t>      </a:t>
+              <a:t>  </a:t>
             </a:r>
             <a:r>
               <a:rPr lang="en-US" sz="1400" dirty="0" err="1">
@@ -12561,7 +12561,7 @@
                 </a:solidFill>
                 <a:latin typeface="Cascadia Code,  Courier New"/>
               </a:rPr>
-              <a:t>        </a:t>
+              <a:t>  </a:t>
             </a:r>
             <a:r>
               <a:rPr lang="en-US" sz="1400" dirty="0">
@@ -12587,7 +12587,7 @@
                 </a:solidFill>
                 <a:latin typeface="Cascadia Code,  Courier New"/>
               </a:rPr>
-              <a:t>        </a:t>
+              <a:t>  </a:t>
             </a:r>
             <a:r>
               <a:rPr lang="en-US" sz="1400" dirty="0">
@@ -12631,7 +12631,7 @@
                 </a:solidFill>
                 <a:latin typeface="Cascadia Code,  Courier New"/>
               </a:rPr>
-              <a:t>        </a:t>
+              <a:t>  </a:t>
             </a:r>
             <a:r>
               <a:rPr lang="en-US" sz="1400" dirty="0">
@@ -12657,7 +12657,7 @@
                 </a:solidFill>
                 <a:latin typeface="Cascadia Code,  Courier New"/>
               </a:rPr>
-              <a:t>      </a:t>
+              <a:t>  </a:t>
             </a:r>
             <a:r>
               <a:rPr lang="en-US" sz="1400" dirty="0">
@@ -12848,7 +12848,7 @@
                 </a:solidFill>
                 <a:latin typeface="Cascadia Code,  Courier New"/>
               </a:rPr>
-              <a:t>         </a:t>
+              <a:t>    </a:t>
             </a:r>
             <a:r>
               <a:rPr lang="en-US" sz="1400" dirty="0" err="1">
@@ -12895,7 +12895,7 @@
                 </a:solidFill>
                 <a:latin typeface="Cascadia Code,  Courier New"/>
               </a:rPr>
-              <a:t>            </a:t>
+              <a:t>    </a:t>
             </a:r>
             <a:r>
               <a:rPr lang="en-US" sz="1400" dirty="0">
@@ -12921,7 +12921,7 @@
                 </a:solidFill>
                 <a:latin typeface="Cascadia Code,  Courier New"/>
               </a:rPr>
-              <a:t>            </a:t>
+              <a:t>    </a:t>
             </a:r>
             <a:r>
               <a:rPr lang="en-US" sz="1400" dirty="0">
@@ -12965,7 +12965,7 @@
                 </a:solidFill>
                 <a:latin typeface="Cascadia Code,  Courier New"/>
               </a:rPr>
-              <a:t>            </a:t>
+              <a:t>    </a:t>
             </a:r>
             <a:r>
               <a:rPr lang="en-US" sz="1400" dirty="0">
@@ -12991,7 +12991,7 @@
                 </a:solidFill>
                 <a:latin typeface="Cascadia Code,  Courier New"/>
               </a:rPr>
-              <a:t>     </a:t>
+              <a:t>    </a:t>
             </a:r>
             <a:r>
               <a:rPr lang="en-US" sz="1400" dirty="0">
@@ -13146,7 +13146,7 @@
                 </a:solidFill>
                 <a:latin typeface="Cascadia Code,  Courier New"/>
               </a:rPr>
-              <a:t>              </a:t>
+              <a:t>      </a:t>
             </a:r>
             <a:r>
               <a:rPr lang="en-US" sz="1400" dirty="0">
@@ -13172,7 +13172,7 @@
                 </a:solidFill>
                 <a:latin typeface="Cascadia Code,  Courier New"/>
               </a:rPr>
-              <a:t>              </a:t>
+              <a:t>      </a:t>
             </a:r>
             <a:r>
               <a:rPr lang="en-US" sz="1400" dirty="0">
@@ -13219,7 +13219,7 @@
                 </a:solidFill>
                 <a:latin typeface="Cascadia Code,  Courier New"/>
               </a:rPr>
-              <a:t>                  </a:t>
+              <a:t>        </a:t>
             </a:r>
             <a:r>
               <a:rPr lang="en-US" sz="1400" dirty="0">
@@ -13284,7 +13284,7 @@
                 </a:solidFill>
                 <a:latin typeface="Cascadia Code,  Courier New"/>
               </a:rPr>
-              <a:t>                  array[j+</a:t>
+              <a:t>        array[j+</a:t>
             </a:r>
             <a:r>
               <a:rPr lang="en-US" sz="1400" dirty="0">
@@ -13313,7 +13313,7 @@
                 </a:solidFill>
                 <a:latin typeface="Cascadia Code,  Courier New"/>
               </a:rPr>
-              <a:t>                  array[j] = temp;</a:t>
+              <a:t>        array[j] = temp;</a:t>
             </a:r>
           </a:p>
           <a:p>
@@ -13324,7 +13324,7 @@
                 </a:solidFill>
                 <a:latin typeface="Cascadia Code,  Courier New"/>
               </a:rPr>
-              <a:t>                  </a:t>
+              <a:t>        </a:t>
             </a:r>
             <a:r>
               <a:rPr lang="en-US" sz="1400" dirty="0" err="1">
